--- a/Stage_2/Analytics Server, Data Management & Storage_v2.pptx
+++ b/Stage_2/Analytics Server, Data Management & Storage_v2.pptx
@@ -213,7 +213,7 @@
           <a:p>
             <a:fld id="{78D8ED23-43D8-D94F-A5DC-C0F7F3E11FBC}" type="datetimeFigureOut">
               <a:rPr lang="en-US" smtClean="0"/>
-              <a:t>3/7/18</a:t>
+              <a:t>3/12/18</a:t>
             </a:fld>
             <a:endParaRPr lang="en-US"/>
           </a:p>
@@ -609,7 +609,7 @@
           <a:p>
             <a:fld id="{9B2CA86B-D2A5-1543-8396-0D0B2BBDC05D}" type="datetimeFigureOut">
               <a:rPr lang="en-US" smtClean="0"/>
-              <a:t>3/7/18</a:t>
+              <a:t>3/12/18</a:t>
             </a:fld>
             <a:endParaRPr lang="en-US"/>
           </a:p>
@@ -777,7 +777,7 @@
           <a:p>
             <a:fld id="{9B2CA86B-D2A5-1543-8396-0D0B2BBDC05D}" type="datetimeFigureOut">
               <a:rPr lang="en-US" smtClean="0"/>
-              <a:t>3/7/18</a:t>
+              <a:t>3/12/18</a:t>
             </a:fld>
             <a:endParaRPr lang="en-US"/>
           </a:p>
@@ -955,7 +955,7 @@
           <a:p>
             <a:fld id="{9B2CA86B-D2A5-1543-8396-0D0B2BBDC05D}" type="datetimeFigureOut">
               <a:rPr lang="en-US" smtClean="0"/>
-              <a:t>3/7/18</a:t>
+              <a:t>3/12/18</a:t>
             </a:fld>
             <a:endParaRPr lang="en-US"/>
           </a:p>
@@ -2297,7 +2297,7 @@
           <a:p>
             <a:fld id="{9B2CA86B-D2A5-1543-8396-0D0B2BBDC05D}" type="datetimeFigureOut">
               <a:rPr lang="en-US" smtClean="0"/>
-              <a:t>3/7/18</a:t>
+              <a:t>3/12/18</a:t>
             </a:fld>
             <a:endParaRPr lang="en-US"/>
           </a:p>
@@ -2542,7 +2542,7 @@
           <a:p>
             <a:fld id="{9B2CA86B-D2A5-1543-8396-0D0B2BBDC05D}" type="datetimeFigureOut">
               <a:rPr lang="en-US" smtClean="0"/>
-              <a:t>3/7/18</a:t>
+              <a:t>3/12/18</a:t>
             </a:fld>
             <a:endParaRPr lang="en-US"/>
           </a:p>
@@ -2771,7 +2771,7 @@
           <a:p>
             <a:fld id="{9B2CA86B-D2A5-1543-8396-0D0B2BBDC05D}" type="datetimeFigureOut">
               <a:rPr lang="en-US" smtClean="0"/>
-              <a:t>3/7/18</a:t>
+              <a:t>3/12/18</a:t>
             </a:fld>
             <a:endParaRPr lang="en-US"/>
           </a:p>
@@ -3135,7 +3135,7 @@
           <a:p>
             <a:fld id="{9B2CA86B-D2A5-1543-8396-0D0B2BBDC05D}" type="datetimeFigureOut">
               <a:rPr lang="en-US" smtClean="0"/>
-              <a:t>3/7/18</a:t>
+              <a:t>3/12/18</a:t>
             </a:fld>
             <a:endParaRPr lang="en-US"/>
           </a:p>
@@ -3252,7 +3252,7 @@
           <a:p>
             <a:fld id="{9B2CA86B-D2A5-1543-8396-0D0B2BBDC05D}" type="datetimeFigureOut">
               <a:rPr lang="en-US" smtClean="0"/>
-              <a:t>3/7/18</a:t>
+              <a:t>3/12/18</a:t>
             </a:fld>
             <a:endParaRPr lang="en-US"/>
           </a:p>
@@ -3347,7 +3347,7 @@
           <a:p>
             <a:fld id="{9B2CA86B-D2A5-1543-8396-0D0B2BBDC05D}" type="datetimeFigureOut">
               <a:rPr lang="en-US" smtClean="0"/>
-              <a:t>3/7/18</a:t>
+              <a:t>3/12/18</a:t>
             </a:fld>
             <a:endParaRPr lang="en-US"/>
           </a:p>
@@ -3622,7 +3622,7 @@
           <a:p>
             <a:fld id="{9B2CA86B-D2A5-1543-8396-0D0B2BBDC05D}" type="datetimeFigureOut">
               <a:rPr lang="en-US" smtClean="0"/>
-              <a:t>3/7/18</a:t>
+              <a:t>3/12/18</a:t>
             </a:fld>
             <a:endParaRPr lang="en-US"/>
           </a:p>
@@ -3874,7 +3874,7 @@
           <a:p>
             <a:fld id="{9B2CA86B-D2A5-1543-8396-0D0B2BBDC05D}" type="datetimeFigureOut">
               <a:rPr lang="en-US" smtClean="0"/>
-              <a:t>3/7/18</a:t>
+              <a:t>3/12/18</a:t>
             </a:fld>
             <a:endParaRPr lang="en-US"/>
           </a:p>
@@ -4085,7 +4085,7 @@
           <a:p>
             <a:fld id="{9B2CA86B-D2A5-1543-8396-0D0B2BBDC05D}" type="datetimeFigureOut">
               <a:rPr lang="en-US" smtClean="0"/>
-              <a:t>3/7/18</a:t>
+              <a:t>3/12/18</a:t>
             </a:fld>
             <a:endParaRPr lang="en-US"/>
           </a:p>
@@ -5471,8 +5471,20 @@
           <a:lstStyle/>
           <a:p>
             <a:r>
+              <a:rPr lang="en-US" altLang="zh-Hans" dirty="0"/>
+              <a:t>March</a:t>
+            </a:r>
+            <a:r>
+              <a:rPr lang="zh-Hans" altLang="en-US" dirty="0"/>
+              <a:t> </a:t>
+            </a:r>
+            <a:r>
+              <a:rPr lang="en-US" altLang="zh-Hans" dirty="0"/>
+              <a:t>12</a:t>
+            </a:r>
+            <a:r>
               <a:rPr lang="en-US" altLang="zh-CN" dirty="0"/>
-              <a:t>Feb 28,</a:t>
+              <a:t>,</a:t>
             </a:r>
             <a:r>
               <a:rPr lang="zh-CN" altLang="en-US" dirty="0"/>
@@ -5484,6 +5496,34 @@
             </a:r>
           </a:p>
           <a:p>
+            <a:r>
+              <a:rPr lang="en-US" altLang="zh-Hans" dirty="0"/>
+              <a:t>Rajashree</a:t>
+            </a:r>
+            <a:r>
+              <a:rPr lang="zh-Hans" altLang="en-US" dirty="0"/>
+              <a:t> </a:t>
+            </a:r>
+            <a:r>
+              <a:rPr lang="en-US" altLang="zh-Hans" dirty="0"/>
+              <a:t>Joshi,</a:t>
+            </a:r>
+            <a:r>
+              <a:rPr lang="zh-Hans" altLang="en-US" dirty="0"/>
+              <a:t> </a:t>
+            </a:r>
+            <a:r>
+              <a:rPr lang="en-US" altLang="zh-Hans" dirty="0"/>
+              <a:t>Yuchen</a:t>
+            </a:r>
+            <a:r>
+              <a:rPr lang="zh-Hans" altLang="en-US" dirty="0"/>
+              <a:t> </a:t>
+            </a:r>
+            <a:r>
+              <a:rPr lang="en-US" altLang="zh-Hans" dirty="0"/>
+              <a:t>Li</a:t>
+            </a:r>
             <a:endParaRPr lang="en-US" altLang="en-US" dirty="0"/>
           </a:p>
           <a:p>
@@ -5653,37 +5693,137 @@
               </a:spcAft>
             </a:pPr>
             <a:r>
-              <a:rPr lang="en-US" altLang="zh-CN" sz="3600" dirty="0">
+              <a:rPr lang="en-US" altLang="zh-Hans" sz="3600" dirty="0">
                 <a:solidFill>
                   <a:srgbClr val="004266"/>
                 </a:solidFill>
-                <a:latin typeface="Helvetica Neue Thin" charset="0"/>
+                <a:latin typeface="+mj-lt"/>
               </a:rPr>
               <a:t>Analytics</a:t>
             </a:r>
             <a:r>
-              <a:rPr lang="zh-CN" altLang="en-US" sz="3600" dirty="0">
+              <a:rPr lang="zh-Hans" altLang="en-US" sz="3600" dirty="0">
                 <a:solidFill>
                   <a:srgbClr val="004266"/>
                 </a:solidFill>
-                <a:latin typeface="Helvetica Neue Thin" charset="0"/>
+                <a:latin typeface="+mj-lt"/>
               </a:rPr>
               <a:t> </a:t>
             </a:r>
             <a:r>
-              <a:rPr lang="en-US" altLang="zh-CN" sz="3600" dirty="0">
+              <a:rPr lang="en-US" altLang="zh-Hans" sz="3600" dirty="0">
                 <a:solidFill>
                   <a:srgbClr val="004266"/>
                 </a:solidFill>
-                <a:latin typeface="Helvetica Neue Thin" charset="0"/>
+                <a:latin typeface="+mj-lt"/>
               </a:rPr>
-              <a:t>Server, Data Management and Storage</a:t>
-            </a:r>
-            <a:endParaRPr lang="en-US" altLang="en-US" sz="2800" dirty="0">
+              <a:t>Server</a:t>
+            </a:r>
+            <a:r>
+              <a:rPr lang="zh-Hans" altLang="en-US" sz="3600" dirty="0">
+                <a:solidFill>
+                  <a:srgbClr val="004266"/>
+                </a:solidFill>
+                <a:latin typeface="+mj-lt"/>
+              </a:rPr>
+              <a:t> </a:t>
+            </a:r>
+            <a:r>
+              <a:rPr lang="en-US" altLang="zh-Hans" sz="3600" dirty="0">
+                <a:solidFill>
+                  <a:srgbClr val="004266"/>
+                </a:solidFill>
+                <a:latin typeface="+mj-lt"/>
+              </a:rPr>
+              <a:t>Setup</a:t>
+            </a:r>
+            <a:r>
+              <a:rPr lang="zh-Hans" altLang="en-US" sz="3600" dirty="0">
+                <a:solidFill>
+                  <a:srgbClr val="004266"/>
+                </a:solidFill>
+                <a:latin typeface="+mj-lt"/>
+              </a:rPr>
+              <a:t> </a:t>
+            </a:r>
+            <a:r>
+              <a:rPr lang="en-US" altLang="zh-Hans" sz="3600" dirty="0">
+                <a:solidFill>
+                  <a:srgbClr val="004266"/>
+                </a:solidFill>
+                <a:latin typeface="+mj-lt"/>
+              </a:rPr>
+              <a:t>(3131)</a:t>
+            </a:r>
+          </a:p>
+          <a:p>
+            <a:pPr eaLnBrk="0" fontAlgn="base" hangingPunct="0">
+              <a:lnSpc>
+                <a:spcPct val="90000"/>
+              </a:lnSpc>
+              <a:spcBef>
+                <a:spcPct val="0"/>
+              </a:spcBef>
+              <a:spcAft>
+                <a:spcPct val="0"/>
+              </a:spcAft>
+            </a:pPr>
+            <a:r>
+              <a:rPr lang="en-US" altLang="zh-Hans" sz="3200" dirty="0">
+                <a:solidFill>
+                  <a:srgbClr val="004266"/>
+                </a:solidFill>
+                <a:latin typeface="+mj-lt"/>
+                <a:ea typeface="+mj-ea"/>
+              </a:rPr>
+              <a:t>Phase</a:t>
+            </a:r>
+            <a:r>
+              <a:rPr lang="zh-Hans" altLang="en-US" sz="3200" dirty="0">
+                <a:solidFill>
+                  <a:srgbClr val="004266"/>
+                </a:solidFill>
+                <a:latin typeface="+mj-lt"/>
+                <a:ea typeface="+mj-ea"/>
+              </a:rPr>
+              <a:t> </a:t>
+            </a:r>
+            <a:r>
+              <a:rPr lang="en-US" altLang="zh-Hans" sz="3200" dirty="0">
+                <a:solidFill>
+                  <a:srgbClr val="004266"/>
+                </a:solidFill>
+                <a:latin typeface="+mj-lt"/>
+                <a:ea typeface="+mj-ea"/>
+              </a:rPr>
+              <a:t>3:</a:t>
+            </a:r>
+            <a:r>
+              <a:rPr lang="zh-Hans" altLang="en-US" sz="3200" dirty="0">
+                <a:solidFill>
+                  <a:srgbClr val="004266"/>
+                </a:solidFill>
+                <a:latin typeface="+mj-lt"/>
+                <a:ea typeface="+mj-ea"/>
+              </a:rPr>
+              <a:t> </a:t>
+            </a:r>
+            <a:r>
+              <a:rPr lang="en-US" altLang="zh-CN" sz="3200" dirty="0">
+                <a:solidFill>
+                  <a:srgbClr val="004266"/>
+                </a:solidFill>
+                <a:latin typeface="+mj-lt"/>
+                <a:ea typeface="+mj-ea"/>
+              </a:rPr>
+              <a:t>Data Management and Storage</a:t>
+            </a:r>
+            <a:endParaRPr lang="en-US" altLang="en-US" dirty="0">
               <a:solidFill>
                 <a:srgbClr val="404040"/>
               </a:solidFill>
-              <a:latin typeface="Helvetica Neue Thin" charset="0"/>
+              <a:latin typeface="+mj-lt"/>
+              <a:ea typeface="+mj-ea"/>
             </a:endParaRPr>
           </a:p>
         </p:txBody>
@@ -8111,7 +8251,7 @@
         </p:nvSpPr>
         <p:spPr>
           <a:xfrm>
-            <a:off x="609600" y="586833"/>
+            <a:off x="609600" y="485233"/>
             <a:ext cx="10972800" cy="1338682"/>
           </a:xfrm>
         </p:spPr>
